--- a/doc/流程编排组件说明.pptx
+++ b/doc/流程编排组件说明.pptx
@@ -7665,7 +7665,7 @@
         </p:nvGraphicFramePr>
         <p:xfrm>
           <a:off x="168275" y="891540"/>
-          <a:ext cx="8890000" cy="3747770"/>
+          <a:ext cx="8890000" cy="2926080"/>
         </p:xfrm>
         <a:graphic>
           <a:graphicData uri="http://schemas.openxmlformats.org/drawingml/2006/table">
@@ -7680,7 +7680,7 @@
                 <a:gridCol w="1311275"/>
                 <a:gridCol w="1778000"/>
               </a:tblGrid>
-              <a:tr h="284480">
+              <a:tr h="243840">
                 <a:tc>
                   <a:txBody>
                     <a:bodyPr/>
@@ -7778,7 +7778,7 @@
                   <a:tcPr/>
                 </a:tc>
               </a:tr>
-              <a:tr h="284480">
+              <a:tr h="243840">
                 <a:tc rowSpan="3">
                   <a:txBody>
                     <a:bodyPr/>
@@ -7887,7 +7887,7 @@
                   <a:tcPr/>
                 </a:tc>
               </a:tr>
-              <a:tr h="283845">
+              <a:tr h="243840">
                 <a:tc vMerge="1">
                   <a:tcPr/>
                 </a:tc>
@@ -7972,7 +7972,7 @@
                   <a:tcPr/>
                 </a:tc>
               </a:tr>
-              <a:tr h="284480">
+              <a:tr h="243840">
                 <a:tc vMerge="1">
                   <a:tcPr/>
                 </a:tc>
@@ -8057,7 +8057,7 @@
                   <a:tcPr/>
                 </a:tc>
               </a:tr>
-              <a:tr h="396240">
+              <a:tr h="243840">
                 <a:tc rowSpan="4">
                   <a:txBody>
                     <a:bodyPr/>
@@ -8116,20 +8116,55 @@
                       <a:pPr>
                         <a:buNone/>
                       </a:pPr>
-                      <a:r>
-                        <a:rPr lang="zh-CN" altLang="en-US" sz="1000">
-                          <a:solidFill>
-                            <a:schemeClr val="tx1"/>
-                          </a:solidFill>
-                        </a:rPr>
-                        <a:t>流程编排即业务线</a:t>
-                      </a:r>
                       <a:endParaRPr lang="zh-CN" altLang="en-US" sz="1000">
                         <a:solidFill>
                           <a:schemeClr val="tx1"/>
                         </a:solidFill>
                       </a:endParaRPr>
                     </a:p>
+                  </a:txBody>
+                  <a:tcPr/>
+                </a:tc>
+                <a:tc>
+                  <a:txBody>
+                    <a:bodyPr/>
+                    <a:p>
+                      <a:pPr>
+                        <a:buNone/>
+                      </a:pPr>
+                      <a:endParaRPr lang="zh-CN" altLang="en-US" sz="1000">
+                        <a:solidFill>
+                          <a:schemeClr val="tx1"/>
+                        </a:solidFill>
+                      </a:endParaRPr>
+                    </a:p>
+                  </a:txBody>
+                  <a:tcPr/>
+                </a:tc>
+                <a:tc>
+                  <a:txBody>
+                    <a:bodyPr/>
+                    <a:p>
+                      <a:pPr>
+                        <a:buNone/>
+                      </a:pPr>
+                      <a:endParaRPr lang="zh-CN" altLang="en-US" sz="1000">
+                        <a:solidFill>
+                          <a:schemeClr val="tx1"/>
+                        </a:solidFill>
+                      </a:endParaRPr>
+                    </a:p>
+                  </a:txBody>
+                  <a:tcPr/>
+                </a:tc>
+              </a:tr>
+              <a:tr h="243840">
+                <a:tc vMerge="1">
+                  <a:tcPr/>
+                </a:tc>
+                <a:tc>
+                  <a:txBody>
+                    <a:bodyPr/>
                     <a:p>
                       <a:pPr>
                         <a:buNone/>
@@ -8140,7 +8175,7 @@
                             <a:schemeClr val="tx1"/>
                           </a:solidFill>
                         </a:rPr>
-                        <a:t>业务流程代码梳理一目了然</a:t>
+                        <a:t>可扩展性</a:t>
                       </a:r>
                       <a:endParaRPr lang="zh-CN" altLang="en-US" sz="1000">
                         <a:solidFill>
@@ -8183,8 +8218,24 @@
                   </a:txBody>
                   <a:tcPr/>
                 </a:tc>
+                <a:tc>
+                  <a:txBody>
+                    <a:bodyPr/>
+                    <a:p>
+                      <a:pPr>
+                        <a:buNone/>
+                      </a:pPr>
+                      <a:endParaRPr lang="zh-CN" altLang="en-US" sz="1000">
+                        <a:solidFill>
+                          <a:schemeClr val="tx1"/>
+                        </a:solidFill>
+                      </a:endParaRPr>
+                    </a:p>
+                  </a:txBody>
+                  <a:tcPr/>
+                </a:tc>
               </a:tr>
-              <a:tr h="284480">
+              <a:tr h="243840">
                 <a:tc vMerge="1">
                   <a:tcPr/>
                 </a:tc>
@@ -8201,81 +8252,7 @@
                             <a:schemeClr val="tx1"/>
                           </a:solidFill>
                         </a:rPr>
-                        <a:t>可扩展性</a:t>
-                      </a:r>
-                      <a:endParaRPr lang="zh-CN" altLang="en-US" sz="1000">
-                        <a:solidFill>
-                          <a:schemeClr val="tx1"/>
-                        </a:solidFill>
-                      </a:endParaRPr>
-                    </a:p>
-                  </a:txBody>
-                  <a:tcPr/>
-                </a:tc>
-                <a:tc>
-                  <a:txBody>
-                    <a:bodyPr/>
-                    <a:p>
-                      <a:pPr>
-                        <a:buNone/>
-                      </a:pPr>
-                      <a:r>
-                        <a:rPr lang="en-US" altLang="zh-CN" sz="1000">
-                          <a:solidFill>
-                            <a:schemeClr val="tx1"/>
-                          </a:solidFill>
-                        </a:rPr>
-                        <a:t>1</a:t>
-                      </a:r>
-                      <a:r>
-                        <a:rPr lang="zh-CN" altLang="en-US" sz="1000">
-                          <a:solidFill>
-                            <a:schemeClr val="tx1"/>
-                          </a:solidFill>
-                        </a:rPr>
-                        <a:t>，监控，告警</a:t>
-                      </a:r>
-                      <a:r>
-                        <a:rPr lang="en-US" altLang="zh-CN" sz="1000">
-                          <a:solidFill>
-                            <a:schemeClr val="tx1"/>
-                          </a:solidFill>
-                        </a:rPr>
-                        <a:t>……</a:t>
-                      </a:r>
-                      <a:r>
-                        <a:rPr lang="zh-CN" altLang="en-US" sz="1000">
-                          <a:solidFill>
-                            <a:schemeClr val="tx1"/>
-                          </a:solidFill>
-                        </a:rPr>
-                        <a:t>插件对业务透明</a:t>
-                      </a:r>
-                      <a:endParaRPr lang="zh-CN" altLang="en-US" sz="1000">
-                        <a:solidFill>
-                          <a:schemeClr val="tx1"/>
-                        </a:solidFill>
-                      </a:endParaRPr>
-                    </a:p>
-                    <a:p>
-                      <a:pPr>
-                        <a:buNone/>
-                      </a:pPr>
-                      <a:r>
-                        <a:rPr lang="en-US" altLang="zh-CN" sz="1000">
-                          <a:solidFill>
-                            <a:schemeClr val="tx1"/>
-                          </a:solidFill>
-                        </a:rPr>
-                        <a:t>2</a:t>
-                      </a:r>
-                      <a:r>
-                        <a:rPr lang="zh-CN" altLang="en-US" sz="1000">
-                          <a:solidFill>
-                            <a:schemeClr val="tx1"/>
-                          </a:solidFill>
-                        </a:rPr>
-                        <a:t>，业务代码开发组件化，积木化编排</a:t>
+                        <a:t>可靠性</a:t>
                       </a:r>
                       <a:endParaRPr lang="zh-CN" altLang="en-US" sz="1000">
                         <a:solidFill>
@@ -8318,8 +8295,24 @@
                   </a:txBody>
                   <a:tcPr/>
                 </a:tc>
+                <a:tc>
+                  <a:txBody>
+                    <a:bodyPr/>
+                    <a:p>
+                      <a:pPr>
+                        <a:buNone/>
+                      </a:pPr>
+                      <a:endParaRPr lang="zh-CN" altLang="en-US" sz="1000">
+                        <a:solidFill>
+                          <a:schemeClr val="tx1"/>
+                        </a:solidFill>
+                      </a:endParaRPr>
+                    </a:p>
+                  </a:txBody>
+                  <a:tcPr/>
+                </a:tc>
               </a:tr>
-              <a:tr h="396240">
+              <a:tr h="243840">
                 <a:tc vMerge="1">
                   <a:tcPr/>
                 </a:tc>
@@ -8336,69 +8329,7 @@
                             <a:schemeClr val="tx1"/>
                           </a:solidFill>
                         </a:rPr>
-                        <a:t>可靠性</a:t>
-                      </a:r>
-                      <a:endParaRPr lang="zh-CN" altLang="en-US" sz="1000">
-                        <a:solidFill>
-                          <a:schemeClr val="tx1"/>
-                        </a:solidFill>
-                      </a:endParaRPr>
-                    </a:p>
-                  </a:txBody>
-                  <a:tcPr/>
-                </a:tc>
-                <a:tc>
-                  <a:txBody>
-                    <a:bodyPr/>
-                    <a:p>
-                      <a:pPr>
-                        <a:buNone/>
-                      </a:pPr>
-                      <a:r>
-                        <a:rPr lang="en-US" altLang="zh-CN" sz="1000">
-                          <a:solidFill>
-                            <a:schemeClr val="tx1"/>
-                          </a:solidFill>
-                          <a:sym typeface="+mn-ea"/>
-                        </a:rPr>
-                        <a:t>1</a:t>
-                      </a:r>
-                      <a:r>
-                        <a:rPr lang="zh-CN" altLang="en-US" sz="1000">
-                          <a:solidFill>
-                            <a:schemeClr val="tx1"/>
-                          </a:solidFill>
-                          <a:sym typeface="+mn-ea"/>
-                        </a:rPr>
-                        <a:t>，流程变化对代码透明</a:t>
-                      </a:r>
-                      <a:endParaRPr lang="zh-CN" altLang="en-US" sz="1000">
-                        <a:solidFill>
-                          <a:schemeClr val="tx1"/>
-                        </a:solidFill>
-                      </a:endParaRPr>
-                    </a:p>
-                    <a:p>
-                      <a:pPr>
-                        <a:buNone/>
-                      </a:pPr>
-                      <a:r>
-                        <a:rPr lang="en-US" altLang="zh-CN" sz="1000">
-                          <a:solidFill>
-                            <a:schemeClr val="tx1"/>
-                          </a:solidFill>
-                          <a:sym typeface="+mn-ea"/>
-                        </a:rPr>
-                        <a:t>2</a:t>
-                      </a:r>
-                      <a:r>
-                        <a:rPr lang="zh-CN" altLang="en-US" sz="1000">
-                          <a:solidFill>
-                            <a:schemeClr val="tx1"/>
-                          </a:solidFill>
-                          <a:sym typeface="+mn-ea"/>
-                        </a:rPr>
-                        <a:t>，代码变更流程容错</a:t>
+                        <a:t>性能</a:t>
                       </a:r>
                       <a:endParaRPr lang="zh-CN" altLang="en-US" sz="1000">
                         <a:solidFill>
@@ -8441,109 +8372,6 @@
                   </a:txBody>
                   <a:tcPr/>
                 </a:tc>
-              </a:tr>
-              <a:tr h="396240">
-                <a:tc vMerge="1">
-                  <a:tcPr/>
-                </a:tc>
-                <a:tc>
-                  <a:txBody>
-                    <a:bodyPr/>
-                    <a:p>
-                      <a:pPr>
-                        <a:buNone/>
-                      </a:pPr>
-                      <a:r>
-                        <a:rPr lang="zh-CN" altLang="en-US" sz="1000">
-                          <a:solidFill>
-                            <a:schemeClr val="tx1"/>
-                          </a:solidFill>
-                        </a:rPr>
-                        <a:t>性能</a:t>
-                      </a:r>
-                      <a:endParaRPr lang="zh-CN" altLang="en-US" sz="1000">
-                        <a:solidFill>
-                          <a:schemeClr val="tx1"/>
-                        </a:solidFill>
-                      </a:endParaRPr>
-                    </a:p>
-                  </a:txBody>
-                  <a:tcPr/>
-                </a:tc>
-                <a:tc>
-                  <a:txBody>
-                    <a:bodyPr/>
-                    <a:p>
-                      <a:pPr>
-                        <a:buNone/>
-                      </a:pPr>
-                      <a:r>
-                        <a:rPr lang="en-US" altLang="zh-CN" sz="1000">
-                          <a:solidFill>
-                            <a:schemeClr val="tx1"/>
-                          </a:solidFill>
-                        </a:rPr>
-                        <a:t>1</a:t>
-                      </a:r>
-                      <a:r>
-                        <a:rPr lang="zh-CN" altLang="en-US" sz="1000">
-                          <a:solidFill>
-                            <a:schemeClr val="tx1"/>
-                          </a:solidFill>
-                        </a:rPr>
-                        <a:t>，短事务</a:t>
-                      </a:r>
-                      <a:endParaRPr lang="zh-CN" altLang="en-US" sz="1000">
-                        <a:solidFill>
-                          <a:schemeClr val="tx1"/>
-                        </a:solidFill>
-                      </a:endParaRPr>
-                    </a:p>
-                    <a:p>
-                      <a:pPr>
-                        <a:buNone/>
-                      </a:pPr>
-                      <a:r>
-                        <a:rPr lang="en-US" altLang="zh-CN" sz="1000">
-                          <a:solidFill>
-                            <a:schemeClr val="tx1"/>
-                          </a:solidFill>
-                        </a:rPr>
-                        <a:t>2</a:t>
-                      </a:r>
-                      <a:r>
-                        <a:rPr lang="zh-CN" altLang="en-US" sz="1000">
-                          <a:solidFill>
-                            <a:schemeClr val="tx1"/>
-                          </a:solidFill>
-                        </a:rPr>
-                        <a:t>，全异步架构</a:t>
-                      </a:r>
-                      <a:endParaRPr lang="zh-CN" altLang="en-US" sz="1000">
-                        <a:solidFill>
-                          <a:schemeClr val="tx1"/>
-                        </a:solidFill>
-                      </a:endParaRPr>
-                    </a:p>
-                  </a:txBody>
-                  <a:tcPr/>
-                </a:tc>
-                <a:tc>
-                  <a:txBody>
-                    <a:bodyPr/>
-                    <a:p>
-                      <a:pPr>
-                        <a:buNone/>
-                      </a:pPr>
-                      <a:endParaRPr lang="zh-CN" altLang="en-US" sz="1000">
-                        <a:solidFill>
-                          <a:schemeClr val="tx1"/>
-                        </a:solidFill>
-                      </a:endParaRPr>
-                    </a:p>
-                  </a:txBody>
-                  <a:tcPr/>
-                </a:tc>
                 <a:tc>
                   <a:txBody>
                     <a:bodyPr/>
@@ -8561,7 +8389,7 @@
                   <a:tcPr/>
                 </a:tc>
               </a:tr>
-              <a:tr h="284480">
+              <a:tr h="243840">
                 <a:tc>
                   <a:txBody>
                     <a:bodyPr/>
@@ -8667,7 +8495,7 @@
                   <a:tcPr/>
                 </a:tc>
               </a:tr>
-              <a:tr h="283845">
+              <a:tr h="243840">
                 <a:tc>
                   <a:txBody>
                     <a:bodyPr/>
@@ -8765,7 +8593,7 @@
                   <a:tcPr/>
                 </a:tc>
               </a:tr>
-              <a:tr h="284480">
+              <a:tr h="243840">
                 <a:tc>
                   <a:txBody>
                     <a:bodyPr/>
@@ -8863,7 +8691,7 @@
                   <a:tcPr/>
                 </a:tc>
               </a:tr>
-              <a:tr h="284480">
+              <a:tr h="243840">
                 <a:tc>
                   <a:txBody>
                     <a:bodyPr/>
@@ -13163,14 +12991,15 @@
 <file path=ppt/tags/tag1.xml><?xml version="1.0" encoding="utf-8"?>
 <p:tagLst xmlns:p="http://schemas.openxmlformats.org/presentationml/2006/main">
   <p:tag name="KSO_WM_UNIT_TABLE_BEAUTIFY" val="smartTable{f9b7308e-bf3e-488d-8fdc-9ce0abf288a9}"/>
-  <p:tag name="TABLE_ENDDRAG_ORIGIN_RECT" val="700*274"/>
-  <p:tag name="TABLE_ENDDRAG_RECT" val="13*70*700*274"/>
+  <p:tag name="TABLE_ENDDRAG_ORIGIN_RECT" val="700*205"/>
+  <p:tag name="TABLE_ENDDRAG_RECT" val="13*70*700*205"/>
 </p:tagLst>
 </file>
 
 <file path=ppt/tags/tag2.xml><?xml version="1.0" encoding="utf-8"?>
 <p:tagLst xmlns:p="http://schemas.openxmlformats.org/presentationml/2006/main">
   <p:tag name="COMMONDATA" val="eyJoZGlkIjoiOTIzMjU0NDY4OTFhNDJmZGNmMjdlOTNlMWZmMWJmYmEifQ=="/>
+  <p:tag name="KSO_WPP_MARK_KEY" val="1f9880ea-fb82-40c9-9549-b5ddf27de38a"/>
 </p:tagLst>
 </file>
 
